--- a/gif/international-phone-number.pptx
+++ b/gif/international-phone-number.pptx
@@ -918,7 +918,7 @@
           <a:p>
             <a:fld id="{2DDF9644-5D30-4F46-881B-5F30F19E36C0}" type="datetimeFigureOut">
               <a:rPr kumimoji="1" lang="ja-JP" altLang="en-US" smtClean="0"/>
-              <a:t>2020/10/14</a:t>
+              <a:t>2020/10/15</a:t>
             </a:fld>
             <a:endParaRPr kumimoji="1" lang="ja-JP" altLang="en-US"/>
           </a:p>
@@ -1148,7 +1148,7 @@
           <a:p>
             <a:fld id="{2DDF9644-5D30-4F46-881B-5F30F19E36C0}" type="datetimeFigureOut">
               <a:rPr kumimoji="1" lang="ja-JP" altLang="en-US" smtClean="0"/>
-              <a:t>2020/10/14</a:t>
+              <a:t>2020/10/15</a:t>
             </a:fld>
             <a:endParaRPr kumimoji="1" lang="ja-JP" altLang="en-US"/>
           </a:p>
@@ -1388,7 +1388,7 @@
           <a:p>
             <a:fld id="{2DDF9644-5D30-4F46-881B-5F30F19E36C0}" type="datetimeFigureOut">
               <a:rPr kumimoji="1" lang="ja-JP" altLang="en-US" smtClean="0"/>
-              <a:t>2020/10/14</a:t>
+              <a:t>2020/10/15</a:t>
             </a:fld>
             <a:endParaRPr kumimoji="1" lang="ja-JP" altLang="en-US"/>
           </a:p>
@@ -1618,7 +1618,7 @@
           <a:p>
             <a:fld id="{2DDF9644-5D30-4F46-881B-5F30F19E36C0}" type="datetimeFigureOut">
               <a:rPr kumimoji="1" lang="ja-JP" altLang="en-US" smtClean="0"/>
-              <a:t>2020/10/14</a:t>
+              <a:t>2020/10/15</a:t>
             </a:fld>
             <a:endParaRPr kumimoji="1" lang="ja-JP" altLang="en-US"/>
           </a:p>
@@ -1893,7 +1893,7 @@
           <a:p>
             <a:fld id="{2DDF9644-5D30-4F46-881B-5F30F19E36C0}" type="datetimeFigureOut">
               <a:rPr kumimoji="1" lang="ja-JP" altLang="en-US" smtClean="0"/>
-              <a:t>2020/10/14</a:t>
+              <a:t>2020/10/15</a:t>
             </a:fld>
             <a:endParaRPr kumimoji="1" lang="ja-JP" altLang="en-US"/>
           </a:p>
@@ -2222,7 +2222,7 @@
           <a:p>
             <a:fld id="{2DDF9644-5D30-4F46-881B-5F30F19E36C0}" type="datetimeFigureOut">
               <a:rPr kumimoji="1" lang="ja-JP" altLang="en-US" smtClean="0"/>
-              <a:t>2020/10/14</a:t>
+              <a:t>2020/10/15</a:t>
             </a:fld>
             <a:endParaRPr kumimoji="1" lang="ja-JP" altLang="en-US"/>
           </a:p>
@@ -2698,7 +2698,7 @@
           <a:p>
             <a:fld id="{2DDF9644-5D30-4F46-881B-5F30F19E36C0}" type="datetimeFigureOut">
               <a:rPr kumimoji="1" lang="ja-JP" altLang="en-US" smtClean="0"/>
-              <a:t>2020/10/14</a:t>
+              <a:t>2020/10/15</a:t>
             </a:fld>
             <a:endParaRPr kumimoji="1" lang="ja-JP" altLang="en-US"/>
           </a:p>
@@ -2839,7 +2839,7 @@
           <a:p>
             <a:fld id="{2DDF9644-5D30-4F46-881B-5F30F19E36C0}" type="datetimeFigureOut">
               <a:rPr kumimoji="1" lang="ja-JP" altLang="en-US" smtClean="0"/>
-              <a:t>2020/10/14</a:t>
+              <a:t>2020/10/15</a:t>
             </a:fld>
             <a:endParaRPr kumimoji="1" lang="ja-JP" altLang="en-US"/>
           </a:p>
@@ -2952,7 +2952,7 @@
           <a:p>
             <a:fld id="{2DDF9644-5D30-4F46-881B-5F30F19E36C0}" type="datetimeFigureOut">
               <a:rPr kumimoji="1" lang="ja-JP" altLang="en-US" smtClean="0"/>
-              <a:t>2020/10/14</a:t>
+              <a:t>2020/10/15</a:t>
             </a:fld>
             <a:endParaRPr kumimoji="1" lang="ja-JP" altLang="en-US"/>
           </a:p>
@@ -3295,7 +3295,7 @@
           <a:p>
             <a:fld id="{2DDF9644-5D30-4F46-881B-5F30F19E36C0}" type="datetimeFigureOut">
               <a:rPr kumimoji="1" lang="ja-JP" altLang="en-US" smtClean="0"/>
-              <a:t>2020/10/14</a:t>
+              <a:t>2020/10/15</a:t>
             </a:fld>
             <a:endParaRPr kumimoji="1" lang="ja-JP" altLang="en-US"/>
           </a:p>
@@ -3583,7 +3583,7 @@
           <a:p>
             <a:fld id="{2DDF9644-5D30-4F46-881B-5F30F19E36C0}" type="datetimeFigureOut">
               <a:rPr kumimoji="1" lang="ja-JP" altLang="en-US" smtClean="0"/>
-              <a:t>2020/10/14</a:t>
+              <a:t>2020/10/15</a:t>
             </a:fld>
             <a:endParaRPr kumimoji="1" lang="ja-JP" altLang="en-US"/>
           </a:p>
@@ -3856,7 +3856,7 @@
           <a:p>
             <a:fld id="{2DDF9644-5D30-4F46-881B-5F30F19E36C0}" type="datetimeFigureOut">
               <a:rPr kumimoji="1" lang="ja-JP" altLang="en-US" smtClean="0"/>
-              <a:t>2020/10/14</a:t>
+              <a:t>2020/10/15</a:t>
             </a:fld>
             <a:endParaRPr kumimoji="1" lang="ja-JP" altLang="en-US"/>
           </a:p>
@@ -5080,41 +5080,6 @@
           </a:prstGeom>
         </p:spPr>
       </p:pic>
-      <p:sp>
-        <p:nvSpPr>
-          <p:cNvPr id="8" name="テキスト ボックス 7">
-            <a:extLst>
-              <a:ext uri="{FF2B5EF4-FFF2-40B4-BE49-F238E27FC236}">
-                <a16:creationId xmlns:a16="http://schemas.microsoft.com/office/drawing/2014/main" id="{B8C3646A-1430-49BA-9F32-94941A64226E}"/>
-              </a:ext>
-            </a:extLst>
-          </p:cNvPr>
-          <p:cNvSpPr txBox="1"/>
-          <p:nvPr/>
-        </p:nvSpPr>
-        <p:spPr>
-          <a:xfrm>
-            <a:off x="1670179" y="5222932"/>
-            <a:ext cx="5724644" cy="369332"/>
-          </a:xfrm>
-          <a:prstGeom prst="rect">
-            <a:avLst/>
-          </a:prstGeom>
-          <a:noFill/>
-        </p:spPr>
-        <p:txBody>
-          <a:bodyPr wrap="none" rtlCol="0">
-            <a:spAutoFit/>
-          </a:bodyPr>
-          <a:lstStyle/>
-          <a:p>
-            <a:r>
-              <a:rPr kumimoji="1" lang="ja-JP" altLang="en-US" dirty="0"/>
-              <a:t>国内サービスがどのように登録してほしいか聞くべき</a:t>
-            </a:r>
-          </a:p>
-        </p:txBody>
-      </p:sp>
     </p:spTree>
     <p:extLst>
       <p:ext uri="{BB962C8B-B14F-4D97-AF65-F5344CB8AC3E}">
